--- a/docs/site/assets/table exmple.pptx
+++ b/docs/site/assets/table exmple.pptx
@@ -104,6 +104,11 @@
       </a:defRPr>
     </a:lvl9pPr>
   </p:defaultTextStyle>
+  <p:extLst>
+    <p:ext uri="{EFAFB233-063F-42B5-8137-9DF3F51BA10A}">
+      <p15:sldGuideLst xmlns:p15="http://schemas.microsoft.com/office/powerpoint/2012/main"/>
+    </p:ext>
+  </p:extLst>
 </p:presentation>
 </file>
 
@@ -3336,14 +3341,14 @@
           <p:nvPr>
             <p:extLst>
               <p:ext uri="{D42A27DB-BD31-4B8C-83A1-F6EECF244321}">
-                <p14:modId xmlns:p14="http://schemas.microsoft.com/office/powerpoint/2010/main" val="508273366"/>
+                <p14:modId xmlns:p14="http://schemas.microsoft.com/office/powerpoint/2010/main" val="3840233122"/>
               </p:ext>
             </p:extLst>
           </p:nvPr>
         </p:nvGraphicFramePr>
         <p:xfrm>
           <a:off x="2381250" y="692150"/>
-          <a:ext cx="7161944" cy="4261335"/>
+          <a:ext cx="7161944" cy="4347683"/>
         </p:xfrm>
         <a:graphic>
           <a:graphicData uri="http://schemas.openxmlformats.org/drawingml/2006/table">
@@ -3407,7 +3412,7 @@
                   </a:extLst>
                 </a:gridCol>
               </a:tblGrid>
-              <a:tr h="184839">
+              <a:tr h="215900">
                 <a:tc gridSpan="3">
                   <a:txBody>
                     <a:bodyPr/>
@@ -3508,25 +3513,7 @@
                           <a:ea typeface="Tahoma" panose="020B0604030504040204" pitchFamily="34" charset="0"/>
                           <a:cs typeface="Tahoma" panose="020B0604030504040204" pitchFamily="34" charset="0"/>
                         </a:rPr>
-                        <a:t> </a:t>
-                      </a:r>
-                      <a:r>
-                        <a:rPr lang="en-US" sz="1100" dirty="0" err="1">
-                          <a:effectLst/>
-                          <a:latin typeface="Tahoma" panose="020B0604030504040204" pitchFamily="34" charset="0"/>
-                          <a:ea typeface="Tahoma" panose="020B0604030504040204" pitchFamily="34" charset="0"/>
-                          <a:cs typeface="Tahoma" panose="020B0604030504040204" pitchFamily="34" charset="0"/>
-                        </a:rPr>
-                        <a:t>MyOrgenaztion</a:t>
-                      </a:r>
-                      <a:r>
-                        <a:rPr lang="en-US" sz="1100" dirty="0">
-                          <a:effectLst/>
-                          <a:latin typeface="Tahoma" panose="020B0604030504040204" pitchFamily="34" charset="0"/>
-                          <a:ea typeface="Tahoma" panose="020B0604030504040204" pitchFamily="34" charset="0"/>
-                          <a:cs typeface="Tahoma" panose="020B0604030504040204" pitchFamily="34" charset="0"/>
-                        </a:rPr>
-                        <a:t>/My-Project</a:t>
+                        <a:t> my-organization/my-project</a:t>
                       </a:r>
                     </a:p>
                   </a:txBody>
@@ -3703,7 +3690,7 @@
                   </a:ext>
                 </a:extLst>
               </a:tr>
-              <a:tr h="184839">
+              <a:tr h="215211">
                 <a:tc gridSpan="4">
                   <a:txBody>
                     <a:bodyPr/>
@@ -4014,7 +4001,7 @@
                   </a:ext>
                 </a:extLst>
               </a:tr>
-              <a:tr h="184839">
+              <a:tr h="216589">
                 <a:tc gridSpan="3">
                   <a:txBody>
                     <a:bodyPr/>
@@ -6338,7 +6325,7 @@
                           <a:ea typeface="Tahoma" panose="020B0604030504040204" pitchFamily="34" charset="0"/>
                           <a:cs typeface="Tahoma" panose="020B0604030504040204" pitchFamily="34" charset="0"/>
                         </a:rPr>
-                        <a:t> Initial commit;</a:t>
+                        <a:t> Initial commit; second commit;</a:t>
                       </a:r>
                     </a:p>
                   </a:txBody>
@@ -6696,7 +6683,7 @@
                           <a:ea typeface="Tahoma" panose="020B0604030504040204" pitchFamily="34" charset="0"/>
                           <a:cs typeface="Tahoma" panose="020B0604030504040204" pitchFamily="34" charset="0"/>
                         </a:rPr>
-                        <a:t> added setup; added config;</a:t>
+                        <a:t> my_branch_name_#5;</a:t>
                       </a:r>
                     </a:p>
                   </a:txBody>
@@ -7054,7 +7041,7 @@
                           <a:ea typeface="Tahoma" panose="020B0604030504040204" pitchFamily="34" charset="0"/>
                           <a:cs typeface="Tahoma" panose="020B0604030504040204" pitchFamily="34" charset="0"/>
                         </a:rPr>
-                        <a:t> utils_function_build_#15;</a:t>
+                        <a:t> automation_build#16;</a:t>
                       </a:r>
                     </a:p>
                   </a:txBody>
@@ -7639,7 +7626,7 @@
                   </a:ext>
                 </a:extLst>
               </a:tr>
-              <a:tr h="354014">
+              <a:tr h="278022">
                 <a:tc>
                   <a:txBody>
                     <a:bodyPr/>
@@ -9245,25 +9232,7 @@
                           <a:ea typeface="Tahoma" panose="020B0604030504040204" pitchFamily="34" charset="0"/>
                           <a:cs typeface="Tahoma" panose="020B0604030504040204" pitchFamily="34" charset="0"/>
                         </a:rPr>
-                        <a:t> </a:t>
-                      </a:r>
-                      <a:r>
-                        <a:rPr lang="en-US" sz="1100" dirty="0" err="1">
-                          <a:effectLst/>
-                          <a:latin typeface="Tahoma" panose="020B0604030504040204" pitchFamily="34" charset="0"/>
-                          <a:ea typeface="Tahoma" panose="020B0604030504040204" pitchFamily="34" charset="0"/>
-                          <a:cs typeface="Tahoma" panose="020B0604030504040204" pitchFamily="34" charset="0"/>
-                        </a:rPr>
-                        <a:t>object_id_converter</a:t>
-                      </a:r>
-                      <a:r>
-                        <a:rPr lang="en-US" sz="1100" dirty="0">
-                          <a:effectLst/>
-                          <a:latin typeface="Tahoma" panose="020B0604030504040204" pitchFamily="34" charset="0"/>
-                          <a:ea typeface="Tahoma" panose="020B0604030504040204" pitchFamily="34" charset="0"/>
-                          <a:cs typeface="Tahoma" panose="020B0604030504040204" pitchFamily="34" charset="0"/>
-                        </a:rPr>
-                        <a:t>;</a:t>
+                        <a:t> data_base_integration_#24</a:t>
                       </a:r>
                     </a:p>
                   </a:txBody>
@@ -9612,7 +9581,7 @@
                           <a:ea typeface="Tahoma" panose="020B0604030504040204" pitchFamily="34" charset="0"/>
                           <a:cs typeface="Tahoma" panose="020B0604030504040204" pitchFamily="34" charset="0"/>
                         </a:rPr>
-                        <a:t> payment_status_update_#22</a:t>
+                        <a:t> payment_status_22#;</a:t>
                       </a:r>
                     </a:p>
                   </a:txBody>
@@ -9952,7 +9921,7 @@
                           <a:ea typeface="Tahoma" panose="020B0604030504040204" pitchFamily="34" charset="0"/>
                           <a:cs typeface="Tahoma" panose="020B0604030504040204" pitchFamily="34" charset="0"/>
                         </a:rPr>
-                        <a:t> hot_bug_fix_45#;</a:t>
+                        <a:t> hot_fix_45#; payment_status_22#;</a:t>
                       </a:r>
                     </a:p>
                   </a:txBody>
@@ -10301,25 +10270,7 @@
                           <a:ea typeface="Tahoma" panose="020B0604030504040204" pitchFamily="34" charset="0"/>
                           <a:cs typeface="Tahoma" panose="020B0604030504040204" pitchFamily="34" charset="0"/>
                         </a:rPr>
-                        <a:t> </a:t>
-                      </a:r>
-                      <a:r>
-                        <a:rPr lang="en-US" sz="1100" dirty="0" err="1">
-                          <a:effectLst/>
-                          <a:latin typeface="Tahoma" panose="020B0604030504040204" pitchFamily="34" charset="0"/>
-                          <a:ea typeface="Tahoma" panose="020B0604030504040204" pitchFamily="34" charset="0"/>
-                          <a:cs typeface="Tahoma" panose="020B0604030504040204" pitchFamily="34" charset="0"/>
-                        </a:rPr>
-                        <a:t>automation_setup</a:t>
-                      </a:r>
-                      <a:r>
-                        <a:rPr lang="en-US" sz="1100" dirty="0">
-                          <a:effectLst/>
-                          <a:latin typeface="Tahoma" panose="020B0604030504040204" pitchFamily="34" charset="0"/>
-                          <a:ea typeface="Tahoma" panose="020B0604030504040204" pitchFamily="34" charset="0"/>
-                          <a:cs typeface="Tahoma" panose="020B0604030504040204" pitchFamily="34" charset="0"/>
-                        </a:rPr>
-                        <a:t>;  samall_fixes_56#;</a:t>
+                        <a:t> refactoring_26#</a:t>
                       </a:r>
                     </a:p>
                   </a:txBody>
@@ -10687,7 +10638,7 @@
                           <a:ea typeface="Tahoma" panose="020B0604030504040204" pitchFamily="34" charset="0"/>
                           <a:cs typeface="Tahoma" panose="020B0604030504040204" pitchFamily="34" charset="0"/>
                         </a:rPr>
-                        <a:t> refactoring package;</a:t>
+                        <a:t> commit message if no branches;</a:t>
                       </a:r>
                     </a:p>
                   </a:txBody>
@@ -10811,7 +10762,7 @@
                   </a:ext>
                 </a:extLst>
               </a:tr>
-              <a:tr h="184839">
+              <a:tr h="253996">
                 <a:tc>
                   <a:txBody>
                     <a:bodyPr/>
